--- a/_media_srcs/ecen427.pptx
+++ b/_media_srcs/ecen427.pptx
@@ -6,6 +6,7 @@
   </p:sldMasterIdLst>
   <p:sldIdLst>
     <p:sldId id="256" r:id="rId2"/>
+    <p:sldId id="257" r:id="rId3"/>
   </p:sldIdLst>
   <p:sldSz cx="12192000" cy="6858000"/>
   <p:notesSz cx="6858000" cy="9144000"/>
@@ -104,6 +105,11 @@
       </a:defRPr>
     </a:lvl9pPr>
   </p:defaultTextStyle>
+  <p:extLst>
+    <p:ext uri="{EFAFB233-063F-42B5-8137-9DF3F51BA10A}">
+      <p15:sldGuideLst xmlns:p15="http://schemas.microsoft.com/office/powerpoint/2012/main"/>
+    </p:ext>
+  </p:extLst>
 </p:presentation>
 </file>
 
@@ -254,7 +260,7 @@
           <a:p>
             <a:fld id="{7967AD1A-5EE4-40C1-AEBF-D912047BFE39}" type="datetimeFigureOut">
               <a:rPr lang="en-US" smtClean="0"/>
-              <a:t>4/25/2021</a:t>
+              <a:t>12/23/2023</a:t>
             </a:fld>
             <a:endParaRPr lang="en-US"/>
           </a:p>
@@ -452,7 +458,7 @@
           <a:p>
             <a:fld id="{7967AD1A-5EE4-40C1-AEBF-D912047BFE39}" type="datetimeFigureOut">
               <a:rPr lang="en-US" smtClean="0"/>
-              <a:t>4/25/2021</a:t>
+              <a:t>12/23/2023</a:t>
             </a:fld>
             <a:endParaRPr lang="en-US"/>
           </a:p>
@@ -660,7 +666,7 @@
           <a:p>
             <a:fld id="{7967AD1A-5EE4-40C1-AEBF-D912047BFE39}" type="datetimeFigureOut">
               <a:rPr lang="en-US" smtClean="0"/>
-              <a:t>4/25/2021</a:t>
+              <a:t>12/23/2023</a:t>
             </a:fld>
             <a:endParaRPr lang="en-US"/>
           </a:p>
@@ -858,7 +864,7 @@
           <a:p>
             <a:fld id="{7967AD1A-5EE4-40C1-AEBF-D912047BFE39}" type="datetimeFigureOut">
               <a:rPr lang="en-US" smtClean="0"/>
-              <a:t>4/25/2021</a:t>
+              <a:t>12/23/2023</a:t>
             </a:fld>
             <a:endParaRPr lang="en-US"/>
           </a:p>
@@ -1133,7 +1139,7 @@
           <a:p>
             <a:fld id="{7967AD1A-5EE4-40C1-AEBF-D912047BFE39}" type="datetimeFigureOut">
               <a:rPr lang="en-US" smtClean="0"/>
-              <a:t>4/25/2021</a:t>
+              <a:t>12/23/2023</a:t>
             </a:fld>
             <a:endParaRPr lang="en-US"/>
           </a:p>
@@ -1398,7 +1404,7 @@
           <a:p>
             <a:fld id="{7967AD1A-5EE4-40C1-AEBF-D912047BFE39}" type="datetimeFigureOut">
               <a:rPr lang="en-US" smtClean="0"/>
-              <a:t>4/25/2021</a:t>
+              <a:t>12/23/2023</a:t>
             </a:fld>
             <a:endParaRPr lang="en-US"/>
           </a:p>
@@ -1810,7 +1816,7 @@
           <a:p>
             <a:fld id="{7967AD1A-5EE4-40C1-AEBF-D912047BFE39}" type="datetimeFigureOut">
               <a:rPr lang="en-US" smtClean="0"/>
-              <a:t>4/25/2021</a:t>
+              <a:t>12/23/2023</a:t>
             </a:fld>
             <a:endParaRPr lang="en-US"/>
           </a:p>
@@ -1951,7 +1957,7 @@
           <a:p>
             <a:fld id="{7967AD1A-5EE4-40C1-AEBF-D912047BFE39}" type="datetimeFigureOut">
               <a:rPr lang="en-US" smtClean="0"/>
-              <a:t>4/25/2021</a:t>
+              <a:t>12/23/2023</a:t>
             </a:fld>
             <a:endParaRPr lang="en-US"/>
           </a:p>
@@ -2064,7 +2070,7 @@
           <a:p>
             <a:fld id="{7967AD1A-5EE4-40C1-AEBF-D912047BFE39}" type="datetimeFigureOut">
               <a:rPr lang="en-US" smtClean="0"/>
-              <a:t>4/25/2021</a:t>
+              <a:t>12/23/2023</a:t>
             </a:fld>
             <a:endParaRPr lang="en-US"/>
           </a:p>
@@ -2375,7 +2381,7 @@
           <a:p>
             <a:fld id="{7967AD1A-5EE4-40C1-AEBF-D912047BFE39}" type="datetimeFigureOut">
               <a:rPr lang="en-US" smtClean="0"/>
-              <a:t>4/25/2021</a:t>
+              <a:t>12/23/2023</a:t>
             </a:fld>
             <a:endParaRPr lang="en-US"/>
           </a:p>
@@ -2663,7 +2669,7 @@
           <a:p>
             <a:fld id="{7967AD1A-5EE4-40C1-AEBF-D912047BFE39}" type="datetimeFigureOut">
               <a:rPr lang="en-US" smtClean="0"/>
-              <a:t>4/25/2021</a:t>
+              <a:t>12/23/2023</a:t>
             </a:fld>
             <a:endParaRPr lang="en-US"/>
           </a:p>
@@ -2904,7 +2910,7 @@
           <a:p>
             <a:fld id="{7967AD1A-5EE4-40C1-AEBF-D912047BFE39}" type="datetimeFigureOut">
               <a:rPr lang="en-US" smtClean="0"/>
-              <a:t>4/25/2021</a:t>
+              <a:t>12/23/2023</a:t>
             </a:fld>
             <a:endParaRPr lang="en-US"/>
           </a:p>
@@ -3692,6 +3698,315 @@
 </p:sld>
 </file>
 
+<file path=ppt/slides/slide2.xml><?xml version="1.0" encoding="utf-8"?>
+<p:sld xmlns:a="http://schemas.openxmlformats.org/drawingml/2006/main" xmlns:r="http://schemas.openxmlformats.org/officeDocument/2006/relationships" xmlns:p="http://schemas.openxmlformats.org/presentationml/2006/main">
+  <p:cSld>
+    <p:spTree>
+      <p:nvGrpSpPr>
+        <p:cNvPr id="1" name=""/>
+        <p:cNvGrpSpPr/>
+        <p:nvPr/>
+      </p:nvGrpSpPr>
+      <p:grpSpPr>
+        <a:xfrm>
+          <a:off x="0" y="0"/>
+          <a:ext cx="0" cy="0"/>
+          <a:chOff x="0" y="0"/>
+          <a:chExt cx="0" cy="0"/>
+        </a:xfrm>
+      </p:grpSpPr>
+      <p:pic>
+        <p:nvPicPr>
+          <p:cNvPr id="5" name="Picture 4">
+            <a:extLst>
+              <a:ext uri="{FF2B5EF4-FFF2-40B4-BE49-F238E27FC236}">
+                <a16:creationId xmlns:a16="http://schemas.microsoft.com/office/drawing/2014/main" id="{56BC9F1A-B902-6836-9506-770435205F56}"/>
+              </a:ext>
+            </a:extLst>
+          </p:cNvPr>
+          <p:cNvPicPr>
+            <a:picLocks noChangeAspect="1"/>
+          </p:cNvPicPr>
+          <p:nvPr/>
+        </p:nvPicPr>
+        <p:blipFill>
+          <a:blip r:embed="rId2"/>
+          <a:stretch>
+            <a:fillRect/>
+          </a:stretch>
+        </p:blipFill>
+        <p:spPr>
+          <a:xfrm>
+            <a:off x="631299" y="0"/>
+            <a:ext cx="10929402" cy="6858000"/>
+          </a:xfrm>
+          <a:prstGeom prst="rect">
+            <a:avLst/>
+          </a:prstGeom>
+        </p:spPr>
+      </p:pic>
+      <p:sp>
+        <p:nvSpPr>
+          <p:cNvPr id="6" name="TextBox 5">
+            <a:extLst>
+              <a:ext uri="{FF2B5EF4-FFF2-40B4-BE49-F238E27FC236}">
+                <a16:creationId xmlns:a16="http://schemas.microsoft.com/office/drawing/2014/main" id="{4CA37DE5-2EFA-38C4-86B0-7F22EC9605A8}"/>
+              </a:ext>
+            </a:extLst>
+          </p:cNvPr>
+          <p:cNvSpPr txBox="1"/>
+          <p:nvPr/>
+        </p:nvSpPr>
+        <p:spPr>
+          <a:xfrm>
+            <a:off x="837582" y="3333997"/>
+            <a:ext cx="1994682" cy="923330"/>
+          </a:xfrm>
+          <a:prstGeom prst="rect">
+            <a:avLst/>
+          </a:prstGeom>
+          <a:noFill/>
+        </p:spPr>
+        <p:txBody>
+          <a:bodyPr wrap="square" rtlCol="0">
+            <a:spAutoFit/>
+          </a:bodyPr>
+          <a:lstStyle/>
+          <a:p>
+            <a:r>
+              <a:rPr lang="en-US" b="1" dirty="0">
+                <a:solidFill>
+                  <a:srgbClr val="FF0000"/>
+                </a:solidFill>
+              </a:rPr>
+              <a:t>Open your mounted directory to view files here</a:t>
+            </a:r>
+          </a:p>
+        </p:txBody>
+      </p:sp>
+      <p:cxnSp>
+        <p:nvCxnSpPr>
+          <p:cNvPr id="8" name="Straight Arrow Connector 7">
+            <a:extLst>
+              <a:ext uri="{FF2B5EF4-FFF2-40B4-BE49-F238E27FC236}">
+                <a16:creationId xmlns:a16="http://schemas.microsoft.com/office/drawing/2014/main" id="{B6735361-52E8-3A21-FD5A-D19D74F75F4F}"/>
+              </a:ext>
+            </a:extLst>
+          </p:cNvPr>
+          <p:cNvCxnSpPr>
+            <a:cxnSpLocks/>
+          </p:cNvCxnSpPr>
+          <p:nvPr/>
+        </p:nvCxnSpPr>
+        <p:spPr>
+          <a:xfrm flipV="1">
+            <a:off x="1816925" y="2939143"/>
+            <a:ext cx="0" cy="374073"/>
+          </a:xfrm>
+          <a:prstGeom prst="straightConnector1">
+            <a:avLst/>
+          </a:prstGeom>
+          <a:ln w="76200">
+            <a:solidFill>
+              <a:srgbClr val="FF0000"/>
+            </a:solidFill>
+            <a:tailEnd type="triangle"/>
+          </a:ln>
+        </p:spPr>
+        <p:style>
+          <a:lnRef idx="1">
+            <a:schemeClr val="accent1"/>
+          </a:lnRef>
+          <a:fillRef idx="0">
+            <a:schemeClr val="accent1"/>
+          </a:fillRef>
+          <a:effectRef idx="0">
+            <a:schemeClr val="accent1"/>
+          </a:effectRef>
+          <a:fontRef idx="minor">
+            <a:schemeClr val="tx1"/>
+          </a:fontRef>
+        </p:style>
+      </p:cxnSp>
+      <p:sp>
+        <p:nvSpPr>
+          <p:cNvPr id="10" name="TextBox 9">
+            <a:extLst>
+              <a:ext uri="{FF2B5EF4-FFF2-40B4-BE49-F238E27FC236}">
+                <a16:creationId xmlns:a16="http://schemas.microsoft.com/office/drawing/2014/main" id="{1B2FD8BF-E82E-B997-50D0-A30AAED93735}"/>
+              </a:ext>
+            </a:extLst>
+          </p:cNvPr>
+          <p:cNvSpPr txBox="1"/>
+          <p:nvPr/>
+        </p:nvSpPr>
+        <p:spPr>
+          <a:xfrm>
+            <a:off x="3640159" y="4503717"/>
+            <a:ext cx="1994682" cy="923330"/>
+          </a:xfrm>
+          <a:prstGeom prst="rect">
+            <a:avLst/>
+          </a:prstGeom>
+          <a:noFill/>
+        </p:spPr>
+        <p:txBody>
+          <a:bodyPr wrap="square" rtlCol="0">
+            <a:spAutoFit/>
+          </a:bodyPr>
+          <a:lstStyle/>
+          <a:p>
+            <a:r>
+              <a:rPr lang="en-US" b="1" dirty="0">
+                <a:solidFill>
+                  <a:srgbClr val="FF0000"/>
+                </a:solidFill>
+              </a:rPr>
+              <a:t>Use one terminal to build your code locally</a:t>
+            </a:r>
+          </a:p>
+        </p:txBody>
+      </p:sp>
+      <p:cxnSp>
+        <p:nvCxnSpPr>
+          <p:cNvPr id="11" name="Straight Arrow Connector 10">
+            <a:extLst>
+              <a:ext uri="{FF2B5EF4-FFF2-40B4-BE49-F238E27FC236}">
+                <a16:creationId xmlns:a16="http://schemas.microsoft.com/office/drawing/2014/main" id="{C454B433-BAF8-D4A8-4BD5-4A4E989FAA14}"/>
+              </a:ext>
+            </a:extLst>
+          </p:cNvPr>
+          <p:cNvCxnSpPr>
+            <a:cxnSpLocks/>
+          </p:cNvCxnSpPr>
+          <p:nvPr/>
+        </p:nvCxnSpPr>
+        <p:spPr>
+          <a:xfrm flipV="1">
+            <a:off x="4619502" y="4108863"/>
+            <a:ext cx="0" cy="374073"/>
+          </a:xfrm>
+          <a:prstGeom prst="straightConnector1">
+            <a:avLst/>
+          </a:prstGeom>
+          <a:ln w="76200">
+            <a:solidFill>
+              <a:srgbClr val="FF0000"/>
+            </a:solidFill>
+            <a:tailEnd type="triangle"/>
+          </a:ln>
+        </p:spPr>
+        <p:style>
+          <a:lnRef idx="1">
+            <a:schemeClr val="accent1"/>
+          </a:lnRef>
+          <a:fillRef idx="0">
+            <a:schemeClr val="accent1"/>
+          </a:fillRef>
+          <a:effectRef idx="0">
+            <a:schemeClr val="accent1"/>
+          </a:effectRef>
+          <a:fontRef idx="minor">
+            <a:schemeClr val="tx1"/>
+          </a:fontRef>
+        </p:style>
+      </p:cxnSp>
+      <p:sp>
+        <p:nvSpPr>
+          <p:cNvPr id="12" name="TextBox 11">
+            <a:extLst>
+              <a:ext uri="{FF2B5EF4-FFF2-40B4-BE49-F238E27FC236}">
+                <a16:creationId xmlns:a16="http://schemas.microsoft.com/office/drawing/2014/main" id="{E680E63E-7EA7-C393-CCCD-6DC61B49E593}"/>
+              </a:ext>
+            </a:extLst>
+          </p:cNvPr>
+          <p:cNvSpPr txBox="1"/>
+          <p:nvPr/>
+        </p:nvSpPr>
+        <p:spPr>
+          <a:xfrm>
+            <a:off x="7410205" y="4705598"/>
+            <a:ext cx="2903510" cy="923330"/>
+          </a:xfrm>
+          <a:prstGeom prst="rect">
+            <a:avLst/>
+          </a:prstGeom>
+          <a:noFill/>
+        </p:spPr>
+        <p:txBody>
+          <a:bodyPr wrap="square" rtlCol="0">
+            <a:spAutoFit/>
+          </a:bodyPr>
+          <a:lstStyle/>
+          <a:p>
+            <a:r>
+              <a:rPr lang="en-US" b="1" dirty="0">
+                <a:solidFill>
+                  <a:srgbClr val="FF0000"/>
+                </a:solidFill>
+              </a:rPr>
+              <a:t>In another terminal, SSH into you PYNQ board and run your compiled programs</a:t>
+            </a:r>
+          </a:p>
+        </p:txBody>
+      </p:sp>
+      <p:cxnSp>
+        <p:nvCxnSpPr>
+          <p:cNvPr id="13" name="Straight Arrow Connector 12">
+            <a:extLst>
+              <a:ext uri="{FF2B5EF4-FFF2-40B4-BE49-F238E27FC236}">
+                <a16:creationId xmlns:a16="http://schemas.microsoft.com/office/drawing/2014/main" id="{186A92DB-15D0-CFE3-D664-1C4C27D389AF}"/>
+              </a:ext>
+            </a:extLst>
+          </p:cNvPr>
+          <p:cNvCxnSpPr>
+            <a:cxnSpLocks/>
+          </p:cNvCxnSpPr>
+          <p:nvPr/>
+        </p:nvCxnSpPr>
+        <p:spPr>
+          <a:xfrm flipV="1">
+            <a:off x="8716489" y="4310744"/>
+            <a:ext cx="0" cy="374073"/>
+          </a:xfrm>
+          <a:prstGeom prst="straightConnector1">
+            <a:avLst/>
+          </a:prstGeom>
+          <a:ln w="76200">
+            <a:solidFill>
+              <a:srgbClr val="FF0000"/>
+            </a:solidFill>
+            <a:tailEnd type="triangle"/>
+          </a:ln>
+        </p:spPr>
+        <p:style>
+          <a:lnRef idx="1">
+            <a:schemeClr val="accent1"/>
+          </a:lnRef>
+          <a:fillRef idx="0">
+            <a:schemeClr val="accent1"/>
+          </a:fillRef>
+          <a:effectRef idx="0">
+            <a:schemeClr val="accent1"/>
+          </a:effectRef>
+          <a:fontRef idx="minor">
+            <a:schemeClr val="tx1"/>
+          </a:fontRef>
+        </p:style>
+      </p:cxnSp>
+    </p:spTree>
+    <p:extLst>
+      <p:ext uri="{BB962C8B-B14F-4D97-AF65-F5344CB8AC3E}">
+        <p14:creationId xmlns:p14="http://schemas.microsoft.com/office/powerpoint/2010/main" val="3112284556"/>
+      </p:ext>
+    </p:extLst>
+  </p:cSld>
+  <p:clrMapOvr>
+    <a:masterClrMapping/>
+  </p:clrMapOvr>
+</p:sld>
+</file>
+
 <file path=ppt/theme/theme1.xml><?xml version="1.0" encoding="utf-8"?>
 <a:theme xmlns:a="http://schemas.openxmlformats.org/drawingml/2006/main" name="Office Theme">
   <a:themeElements>

--- a/_media_srcs/ecen427.pptx
+++ b/_media_srcs/ecen427.pptx
@@ -7,6 +7,7 @@
   <p:sldIdLst>
     <p:sldId id="256" r:id="rId2"/>
     <p:sldId id="257" r:id="rId3"/>
+    <p:sldId id="258" r:id="rId4"/>
   </p:sldIdLst>
   <p:sldSz cx="12192000" cy="6858000"/>
   <p:notesSz cx="6858000" cy="9144000"/>
@@ -260,7 +261,7 @@
           <a:p>
             <a:fld id="{7967AD1A-5EE4-40C1-AEBF-D912047BFE39}" type="datetimeFigureOut">
               <a:rPr lang="en-US" smtClean="0"/>
-              <a:t>12/23/2023</a:t>
+              <a:t>1/19/2024</a:t>
             </a:fld>
             <a:endParaRPr lang="en-US"/>
           </a:p>
@@ -458,7 +459,7 @@
           <a:p>
             <a:fld id="{7967AD1A-5EE4-40C1-AEBF-D912047BFE39}" type="datetimeFigureOut">
               <a:rPr lang="en-US" smtClean="0"/>
-              <a:t>12/23/2023</a:t>
+              <a:t>1/19/2024</a:t>
             </a:fld>
             <a:endParaRPr lang="en-US"/>
           </a:p>
@@ -666,7 +667,7 @@
           <a:p>
             <a:fld id="{7967AD1A-5EE4-40C1-AEBF-D912047BFE39}" type="datetimeFigureOut">
               <a:rPr lang="en-US" smtClean="0"/>
-              <a:t>12/23/2023</a:t>
+              <a:t>1/19/2024</a:t>
             </a:fld>
             <a:endParaRPr lang="en-US"/>
           </a:p>
@@ -864,7 +865,7 @@
           <a:p>
             <a:fld id="{7967AD1A-5EE4-40C1-AEBF-D912047BFE39}" type="datetimeFigureOut">
               <a:rPr lang="en-US" smtClean="0"/>
-              <a:t>12/23/2023</a:t>
+              <a:t>1/19/2024</a:t>
             </a:fld>
             <a:endParaRPr lang="en-US"/>
           </a:p>
@@ -1139,7 +1140,7 @@
           <a:p>
             <a:fld id="{7967AD1A-5EE4-40C1-AEBF-D912047BFE39}" type="datetimeFigureOut">
               <a:rPr lang="en-US" smtClean="0"/>
-              <a:t>12/23/2023</a:t>
+              <a:t>1/19/2024</a:t>
             </a:fld>
             <a:endParaRPr lang="en-US"/>
           </a:p>
@@ -1404,7 +1405,7 @@
           <a:p>
             <a:fld id="{7967AD1A-5EE4-40C1-AEBF-D912047BFE39}" type="datetimeFigureOut">
               <a:rPr lang="en-US" smtClean="0"/>
-              <a:t>12/23/2023</a:t>
+              <a:t>1/19/2024</a:t>
             </a:fld>
             <a:endParaRPr lang="en-US"/>
           </a:p>
@@ -1816,7 +1817,7 @@
           <a:p>
             <a:fld id="{7967AD1A-5EE4-40C1-AEBF-D912047BFE39}" type="datetimeFigureOut">
               <a:rPr lang="en-US" smtClean="0"/>
-              <a:t>12/23/2023</a:t>
+              <a:t>1/19/2024</a:t>
             </a:fld>
             <a:endParaRPr lang="en-US"/>
           </a:p>
@@ -1957,7 +1958,7 @@
           <a:p>
             <a:fld id="{7967AD1A-5EE4-40C1-AEBF-D912047BFE39}" type="datetimeFigureOut">
               <a:rPr lang="en-US" smtClean="0"/>
-              <a:t>12/23/2023</a:t>
+              <a:t>1/19/2024</a:t>
             </a:fld>
             <a:endParaRPr lang="en-US"/>
           </a:p>
@@ -2070,7 +2071,7 @@
           <a:p>
             <a:fld id="{7967AD1A-5EE4-40C1-AEBF-D912047BFE39}" type="datetimeFigureOut">
               <a:rPr lang="en-US" smtClean="0"/>
-              <a:t>12/23/2023</a:t>
+              <a:t>1/19/2024</a:t>
             </a:fld>
             <a:endParaRPr lang="en-US"/>
           </a:p>
@@ -2381,7 +2382,7 @@
           <a:p>
             <a:fld id="{7967AD1A-5EE4-40C1-AEBF-D912047BFE39}" type="datetimeFigureOut">
               <a:rPr lang="en-US" smtClean="0"/>
-              <a:t>12/23/2023</a:t>
+              <a:t>1/19/2024</a:t>
             </a:fld>
             <a:endParaRPr lang="en-US"/>
           </a:p>
@@ -2669,7 +2670,7 @@
           <a:p>
             <a:fld id="{7967AD1A-5EE4-40C1-AEBF-D912047BFE39}" type="datetimeFigureOut">
               <a:rPr lang="en-US" smtClean="0"/>
-              <a:t>12/23/2023</a:t>
+              <a:t>1/19/2024</a:t>
             </a:fld>
             <a:endParaRPr lang="en-US"/>
           </a:p>
@@ -2910,7 +2911,7 @@
           <a:p>
             <a:fld id="{7967AD1A-5EE4-40C1-AEBF-D912047BFE39}" type="datetimeFigureOut">
               <a:rPr lang="en-US" smtClean="0"/>
-              <a:t>12/23/2023</a:t>
+              <a:t>1/19/2024</a:t>
             </a:fld>
             <a:endParaRPr lang="en-US"/>
           </a:p>
@@ -4007,6 +4008,647 @@
 </p:sld>
 </file>
 
+<file path=ppt/slides/slide3.xml><?xml version="1.0" encoding="utf-8"?>
+<p:sld xmlns:a="http://schemas.openxmlformats.org/drawingml/2006/main" xmlns:r="http://schemas.openxmlformats.org/officeDocument/2006/relationships" xmlns:p="http://schemas.openxmlformats.org/presentationml/2006/main">
+  <p:cSld>
+    <p:spTree>
+      <p:nvGrpSpPr>
+        <p:cNvPr id="1" name=""/>
+        <p:cNvGrpSpPr/>
+        <p:nvPr/>
+      </p:nvGrpSpPr>
+      <p:grpSpPr>
+        <a:xfrm>
+          <a:off x="0" y="0"/>
+          <a:ext cx="0" cy="0"/>
+          <a:chOff x="0" y="0"/>
+          <a:chExt cx="0" cy="0"/>
+        </a:xfrm>
+      </p:grpSpPr>
+      <p:sp>
+        <p:nvSpPr>
+          <p:cNvPr id="5" name="Rectangle 4">
+            <a:extLst>
+              <a:ext uri="{FF2B5EF4-FFF2-40B4-BE49-F238E27FC236}">
+                <a16:creationId xmlns:a16="http://schemas.microsoft.com/office/drawing/2014/main" id="{746D54AB-08A1-2AF5-91A6-EBCA0EC45778}"/>
+              </a:ext>
+            </a:extLst>
+          </p:cNvPr>
+          <p:cNvSpPr/>
+          <p:nvPr/>
+        </p:nvSpPr>
+        <p:spPr>
+          <a:xfrm>
+            <a:off x="5987512" y="464949"/>
+            <a:ext cx="3244312" cy="4577166"/>
+          </a:xfrm>
+          <a:prstGeom prst="rect">
+            <a:avLst/>
+          </a:prstGeom>
+          <a:solidFill>
+            <a:schemeClr val="accent6">
+              <a:lumMod val="20000"/>
+              <a:lumOff val="80000"/>
+            </a:schemeClr>
+          </a:solidFill>
+          <a:ln>
+            <a:noFill/>
+          </a:ln>
+        </p:spPr>
+        <p:style>
+          <a:lnRef idx="2">
+            <a:schemeClr val="accent1">
+              <a:shade val="15000"/>
+            </a:schemeClr>
+          </a:lnRef>
+          <a:fillRef idx="1">
+            <a:schemeClr val="accent1"/>
+          </a:fillRef>
+          <a:effectRef idx="0">
+            <a:schemeClr val="accent1"/>
+          </a:effectRef>
+          <a:fontRef idx="minor">
+            <a:schemeClr val="lt1"/>
+          </a:fontRef>
+        </p:style>
+        <p:txBody>
+          <a:bodyPr rtlCol="0" anchor="ctr"/>
+          <a:lstStyle/>
+          <a:p>
+            <a:pPr algn="ctr"/>
+            <a:endParaRPr lang="en-US"/>
+          </a:p>
+        </p:txBody>
+      </p:sp>
+      <p:sp>
+        <p:nvSpPr>
+          <p:cNvPr id="4" name="Rectangle: Rounded Corners 3">
+            <a:extLst>
+              <a:ext uri="{FF2B5EF4-FFF2-40B4-BE49-F238E27FC236}">
+                <a16:creationId xmlns:a16="http://schemas.microsoft.com/office/drawing/2014/main" id="{56043224-DFE1-A67F-2798-B091EBDEB48A}"/>
+              </a:ext>
+            </a:extLst>
+          </p:cNvPr>
+          <p:cNvSpPr/>
+          <p:nvPr/>
+        </p:nvSpPr>
+        <p:spPr>
+          <a:xfrm>
+            <a:off x="6617739" y="743919"/>
+            <a:ext cx="2366040" cy="3957234"/>
+          </a:xfrm>
+          <a:prstGeom prst="roundRect">
+            <a:avLst/>
+          </a:prstGeom>
+          <a:solidFill>
+            <a:schemeClr val="bg1"/>
+          </a:solidFill>
+        </p:spPr>
+        <p:style>
+          <a:lnRef idx="2">
+            <a:schemeClr val="accent1">
+              <a:shade val="15000"/>
+            </a:schemeClr>
+          </a:lnRef>
+          <a:fillRef idx="1">
+            <a:schemeClr val="accent1"/>
+          </a:fillRef>
+          <a:effectRef idx="0">
+            <a:schemeClr val="accent1"/>
+          </a:effectRef>
+          <a:fontRef idx="minor">
+            <a:schemeClr val="lt1"/>
+          </a:fontRef>
+        </p:style>
+        <p:txBody>
+          <a:bodyPr rtlCol="0" anchor="ctr"/>
+          <a:lstStyle/>
+          <a:p>
+            <a:pPr algn="ctr"/>
+            <a:r>
+              <a:rPr lang="en-US" dirty="0">
+                <a:solidFill>
+                  <a:schemeClr val="tx1"/>
+                </a:solidFill>
+              </a:rPr>
+              <a:t>Processor</a:t>
+            </a:r>
+          </a:p>
+        </p:txBody>
+      </p:sp>
+      <p:sp>
+        <p:nvSpPr>
+          <p:cNvPr id="6" name="Rectangle 5">
+            <a:extLst>
+              <a:ext uri="{FF2B5EF4-FFF2-40B4-BE49-F238E27FC236}">
+                <a16:creationId xmlns:a16="http://schemas.microsoft.com/office/drawing/2014/main" id="{4C0C3E91-6898-8855-DD4C-CB1F60BEF569}"/>
+              </a:ext>
+            </a:extLst>
+          </p:cNvPr>
+          <p:cNvSpPr/>
+          <p:nvPr/>
+        </p:nvSpPr>
+        <p:spPr>
+          <a:xfrm>
+            <a:off x="2107769" y="3022168"/>
+            <a:ext cx="3955943" cy="2019943"/>
+          </a:xfrm>
+          <a:prstGeom prst="rect">
+            <a:avLst/>
+          </a:prstGeom>
+          <a:solidFill>
+            <a:schemeClr val="accent6">
+              <a:lumMod val="20000"/>
+              <a:lumOff val="80000"/>
+            </a:schemeClr>
+          </a:solidFill>
+          <a:ln>
+            <a:noFill/>
+          </a:ln>
+        </p:spPr>
+        <p:style>
+          <a:lnRef idx="2">
+            <a:schemeClr val="accent1">
+              <a:shade val="15000"/>
+            </a:schemeClr>
+          </a:lnRef>
+          <a:fillRef idx="1">
+            <a:schemeClr val="accent1"/>
+          </a:fillRef>
+          <a:effectRef idx="0">
+            <a:schemeClr val="accent1"/>
+          </a:effectRef>
+          <a:fontRef idx="minor">
+            <a:schemeClr val="lt1"/>
+          </a:fontRef>
+        </p:style>
+        <p:txBody>
+          <a:bodyPr rtlCol="0" anchor="ctr"/>
+          <a:lstStyle/>
+          <a:p>
+            <a:pPr algn="ctr"/>
+            <a:endParaRPr lang="en-US"/>
+          </a:p>
+        </p:txBody>
+      </p:sp>
+      <p:sp>
+        <p:nvSpPr>
+          <p:cNvPr id="7" name="Rectangle: Rounded Corners 6">
+            <a:extLst>
+              <a:ext uri="{FF2B5EF4-FFF2-40B4-BE49-F238E27FC236}">
+                <a16:creationId xmlns:a16="http://schemas.microsoft.com/office/drawing/2014/main" id="{F5438954-4ACE-201F-A78D-88EFBAE0B377}"/>
+              </a:ext>
+            </a:extLst>
+          </p:cNvPr>
+          <p:cNvSpPr/>
+          <p:nvPr/>
+        </p:nvSpPr>
+        <p:spPr>
+          <a:xfrm>
+            <a:off x="3518116" y="1494271"/>
+            <a:ext cx="1779488" cy="914400"/>
+          </a:xfrm>
+          <a:prstGeom prst="roundRect">
+            <a:avLst/>
+          </a:prstGeom>
+          <a:solidFill>
+            <a:schemeClr val="bg1"/>
+          </a:solidFill>
+        </p:spPr>
+        <p:style>
+          <a:lnRef idx="2">
+            <a:schemeClr val="accent1">
+              <a:shade val="15000"/>
+            </a:schemeClr>
+          </a:lnRef>
+          <a:fillRef idx="1">
+            <a:schemeClr val="accent1"/>
+          </a:fillRef>
+          <a:effectRef idx="0">
+            <a:schemeClr val="accent1"/>
+          </a:effectRef>
+          <a:fontRef idx="minor">
+            <a:schemeClr val="lt1"/>
+          </a:fontRef>
+        </p:style>
+        <p:txBody>
+          <a:bodyPr rtlCol="0" anchor="ctr"/>
+          <a:lstStyle/>
+          <a:p>
+            <a:r>
+              <a:rPr lang="en-US" sz="1600" dirty="0" err="1">
+                <a:solidFill>
+                  <a:schemeClr val="tx1"/>
+                </a:solidFill>
+              </a:rPr>
+              <a:t>user_intc</a:t>
+            </a:r>
+            <a:endParaRPr lang="en-US" sz="1600" dirty="0">
+              <a:solidFill>
+                <a:schemeClr val="tx1"/>
+              </a:solidFill>
+            </a:endParaRPr>
+          </a:p>
+        </p:txBody>
+      </p:sp>
+      <p:sp>
+        <p:nvSpPr>
+          <p:cNvPr id="8" name="Rectangle: Rounded Corners 7">
+            <a:extLst>
+              <a:ext uri="{FF2B5EF4-FFF2-40B4-BE49-F238E27FC236}">
+                <a16:creationId xmlns:a16="http://schemas.microsoft.com/office/drawing/2014/main" id="{288E72CE-B84B-7E7E-8C83-F24F7D3117AE}"/>
+              </a:ext>
+            </a:extLst>
+          </p:cNvPr>
+          <p:cNvSpPr/>
+          <p:nvPr/>
+        </p:nvSpPr>
+        <p:spPr>
+          <a:xfrm>
+            <a:off x="1921790" y="537275"/>
+            <a:ext cx="1549831" cy="397789"/>
+          </a:xfrm>
+          <a:prstGeom prst="roundRect">
+            <a:avLst/>
+          </a:prstGeom>
+          <a:solidFill>
+            <a:schemeClr val="bg1"/>
+          </a:solidFill>
+        </p:spPr>
+        <p:style>
+          <a:lnRef idx="2">
+            <a:schemeClr val="accent1">
+              <a:shade val="15000"/>
+            </a:schemeClr>
+          </a:lnRef>
+          <a:fillRef idx="1">
+            <a:schemeClr val="accent1"/>
+          </a:fillRef>
+          <a:effectRef idx="0">
+            <a:schemeClr val="accent1"/>
+          </a:effectRef>
+          <a:fontRef idx="minor">
+            <a:schemeClr val="lt1"/>
+          </a:fontRef>
+        </p:style>
+        <p:txBody>
+          <a:bodyPr rtlCol="0" anchor="ctr"/>
+          <a:lstStyle/>
+          <a:p>
+            <a:pPr algn="ctr"/>
+            <a:r>
+              <a:rPr lang="en-US" sz="1600" dirty="0">
+                <a:solidFill>
+                  <a:schemeClr val="tx1"/>
+                </a:solidFill>
+              </a:rPr>
+              <a:t>FIT</a:t>
+            </a:r>
+          </a:p>
+        </p:txBody>
+      </p:sp>
+      <p:sp>
+        <p:nvSpPr>
+          <p:cNvPr id="9" name="TextBox 8">
+            <a:extLst>
+              <a:ext uri="{FF2B5EF4-FFF2-40B4-BE49-F238E27FC236}">
+                <a16:creationId xmlns:a16="http://schemas.microsoft.com/office/drawing/2014/main" id="{9673DEFC-9FEE-3B6C-CC70-ABE6761E3B23}"/>
+              </a:ext>
+            </a:extLst>
+          </p:cNvPr>
+          <p:cNvSpPr txBox="1"/>
+          <p:nvPr/>
+        </p:nvSpPr>
+        <p:spPr>
+          <a:xfrm>
+            <a:off x="4884309" y="1523819"/>
+            <a:ext cx="443135" cy="369332"/>
+          </a:xfrm>
+          <a:prstGeom prst="rect">
+            <a:avLst/>
+          </a:prstGeom>
+          <a:noFill/>
+        </p:spPr>
+        <p:txBody>
+          <a:bodyPr wrap="none" rtlCol="0">
+            <a:spAutoFit/>
+          </a:bodyPr>
+          <a:lstStyle/>
+          <a:p>
+            <a:r>
+              <a:rPr lang="en-US" dirty="0" err="1">
+                <a:solidFill>
+                  <a:srgbClr val="FF0000"/>
+                </a:solidFill>
+              </a:rPr>
+              <a:t>irq</a:t>
+            </a:r>
+            <a:endParaRPr lang="en-US" dirty="0">
+              <a:solidFill>
+                <a:srgbClr val="FF0000"/>
+              </a:solidFill>
+            </a:endParaRPr>
+          </a:p>
+        </p:txBody>
+      </p:sp>
+      <p:cxnSp>
+        <p:nvCxnSpPr>
+          <p:cNvPr id="11" name="Straight Connector 10">
+            <a:extLst>
+              <a:ext uri="{FF2B5EF4-FFF2-40B4-BE49-F238E27FC236}">
+                <a16:creationId xmlns:a16="http://schemas.microsoft.com/office/drawing/2014/main" id="{AA6CF41C-F5EC-BBF9-395B-82A124D07033}"/>
+              </a:ext>
+            </a:extLst>
+          </p:cNvPr>
+          <p:cNvCxnSpPr>
+            <a:stCxn id="9" idx="3"/>
+          </p:cNvCxnSpPr>
+          <p:nvPr/>
+        </p:nvCxnSpPr>
+        <p:spPr>
+          <a:xfrm>
+            <a:off x="5327444" y="1708485"/>
+            <a:ext cx="1198535" cy="0"/>
+          </a:xfrm>
+          <a:prstGeom prst="line">
+            <a:avLst/>
+          </a:prstGeom>
+          <a:ln w="12700">
+            <a:solidFill>
+              <a:schemeClr val="tx1"/>
+            </a:solidFill>
+            <a:headEnd type="none" w="med" len="med"/>
+            <a:tailEnd type="triangle" w="med" len="med"/>
+          </a:ln>
+        </p:spPr>
+        <p:style>
+          <a:lnRef idx="1">
+            <a:schemeClr val="accent1"/>
+          </a:lnRef>
+          <a:fillRef idx="0">
+            <a:schemeClr val="accent1"/>
+          </a:fillRef>
+          <a:effectRef idx="0">
+            <a:schemeClr val="accent1"/>
+          </a:effectRef>
+          <a:fontRef idx="minor">
+            <a:schemeClr val="tx1"/>
+          </a:fontRef>
+        </p:style>
+      </p:cxnSp>
+      <p:sp>
+        <p:nvSpPr>
+          <p:cNvPr id="13" name="TextBox 12">
+            <a:extLst>
+              <a:ext uri="{FF2B5EF4-FFF2-40B4-BE49-F238E27FC236}">
+                <a16:creationId xmlns:a16="http://schemas.microsoft.com/office/drawing/2014/main" id="{83419190-7EA8-A9AE-A359-86CB48680641}"/>
+              </a:ext>
+            </a:extLst>
+          </p:cNvPr>
+          <p:cNvSpPr txBox="1"/>
+          <p:nvPr/>
+        </p:nvSpPr>
+        <p:spPr>
+          <a:xfrm>
+            <a:off x="6664235" y="1552369"/>
+            <a:ext cx="1897122" cy="369332"/>
+          </a:xfrm>
+          <a:prstGeom prst="rect">
+            <a:avLst/>
+          </a:prstGeom>
+          <a:noFill/>
+        </p:spPr>
+        <p:txBody>
+          <a:bodyPr wrap="none" rtlCol="0">
+            <a:spAutoFit/>
+          </a:bodyPr>
+          <a:lstStyle/>
+          <a:p>
+            <a:r>
+              <a:rPr lang="en-US" dirty="0">
+                <a:solidFill>
+                  <a:srgbClr val="FF0000"/>
+                </a:solidFill>
+              </a:rPr>
+              <a:t>0x1E </a:t>
+            </a:r>
+            <a:r>
+              <a:rPr lang="en-US" sz="1400" dirty="0"/>
+              <a:t>– interrupt input</a:t>
+            </a:r>
+            <a:endParaRPr lang="en-US" dirty="0"/>
+          </a:p>
+        </p:txBody>
+      </p:sp>
+      <p:sp>
+        <p:nvSpPr>
+          <p:cNvPr id="14" name="TextBox 13">
+            <a:extLst>
+              <a:ext uri="{FF2B5EF4-FFF2-40B4-BE49-F238E27FC236}">
+                <a16:creationId xmlns:a16="http://schemas.microsoft.com/office/drawing/2014/main" id="{EEE77FA1-D287-9D7A-5888-64DBC2D87C3E}"/>
+              </a:ext>
+            </a:extLst>
+          </p:cNvPr>
+          <p:cNvSpPr txBox="1"/>
+          <p:nvPr/>
+        </p:nvSpPr>
+        <p:spPr>
+          <a:xfrm>
+            <a:off x="6662979" y="3802162"/>
+            <a:ext cx="1927579" cy="369332"/>
+          </a:xfrm>
+          <a:prstGeom prst="rect">
+            <a:avLst/>
+          </a:prstGeom>
+          <a:noFill/>
+        </p:spPr>
+        <p:txBody>
+          <a:bodyPr wrap="none" rtlCol="0">
+            <a:spAutoFit/>
+          </a:bodyPr>
+          <a:lstStyle/>
+          <a:p>
+            <a:r>
+              <a:rPr lang="en-US" dirty="0">
+                <a:solidFill>
+                  <a:srgbClr val="FF0000"/>
+                </a:solidFill>
+              </a:rPr>
+              <a:t>0x1D </a:t>
+            </a:r>
+            <a:r>
+              <a:rPr lang="en-US" sz="1400" dirty="0"/>
+              <a:t>– interrupt input</a:t>
+            </a:r>
+            <a:endParaRPr lang="en-US" dirty="0"/>
+          </a:p>
+        </p:txBody>
+      </p:sp>
+      <p:cxnSp>
+        <p:nvCxnSpPr>
+          <p:cNvPr id="15" name="Straight Connector 14">
+            <a:extLst>
+              <a:ext uri="{FF2B5EF4-FFF2-40B4-BE49-F238E27FC236}">
+                <a16:creationId xmlns:a16="http://schemas.microsoft.com/office/drawing/2014/main" id="{12B24310-54FD-924E-486F-0B86E4FF6AC9}"/>
+              </a:ext>
+            </a:extLst>
+          </p:cNvPr>
+          <p:cNvCxnSpPr>
+            <a:cxnSpLocks/>
+            <a:stCxn id="17" idx="3"/>
+          </p:cNvCxnSpPr>
+          <p:nvPr/>
+        </p:nvCxnSpPr>
+        <p:spPr>
+          <a:xfrm>
+            <a:off x="5357284" y="2031540"/>
+            <a:ext cx="1168695" cy="0"/>
+          </a:xfrm>
+          <a:prstGeom prst="line">
+            <a:avLst/>
+          </a:prstGeom>
+          <a:ln w="57150">
+            <a:solidFill>
+              <a:schemeClr val="tx1"/>
+            </a:solidFill>
+            <a:headEnd type="triangle" w="med" len="med"/>
+            <a:tailEnd type="triangle" w="med" len="med"/>
+          </a:ln>
+        </p:spPr>
+        <p:style>
+          <a:lnRef idx="1">
+            <a:schemeClr val="accent1"/>
+          </a:lnRef>
+          <a:fillRef idx="0">
+            <a:schemeClr val="accent1"/>
+          </a:fillRef>
+          <a:effectRef idx="0">
+            <a:schemeClr val="accent1"/>
+          </a:effectRef>
+          <a:fontRef idx="minor">
+            <a:schemeClr val="tx1"/>
+          </a:fontRef>
+        </p:style>
+      </p:cxnSp>
+      <p:sp>
+        <p:nvSpPr>
+          <p:cNvPr id="16" name="Rectangle: Rounded Corners 15">
+            <a:extLst>
+              <a:ext uri="{FF2B5EF4-FFF2-40B4-BE49-F238E27FC236}">
+                <a16:creationId xmlns:a16="http://schemas.microsoft.com/office/drawing/2014/main" id="{7CA539A8-EB90-0AF2-7BB1-B7816C3E0B03}"/>
+              </a:ext>
+            </a:extLst>
+          </p:cNvPr>
+          <p:cNvSpPr/>
+          <p:nvPr/>
+        </p:nvSpPr>
+        <p:spPr>
+          <a:xfrm>
+            <a:off x="5603215" y="1494271"/>
+            <a:ext cx="645763" cy="914399"/>
+          </a:xfrm>
+          <a:prstGeom prst="roundRect">
+            <a:avLst/>
+          </a:prstGeom>
+          <a:solidFill>
+            <a:srgbClr val="4472C4">
+              <a:alpha val="50196"/>
+            </a:srgbClr>
+          </a:solidFill>
+        </p:spPr>
+        <p:style>
+          <a:lnRef idx="2">
+            <a:schemeClr val="accent1">
+              <a:shade val="15000"/>
+            </a:schemeClr>
+          </a:lnRef>
+          <a:fillRef idx="1">
+            <a:schemeClr val="accent1"/>
+          </a:fillRef>
+          <a:effectRef idx="0">
+            <a:schemeClr val="accent1"/>
+          </a:effectRef>
+          <a:fontRef idx="minor">
+            <a:schemeClr val="lt1"/>
+          </a:fontRef>
+        </p:style>
+        <p:txBody>
+          <a:bodyPr rtlCol="0" anchor="b"/>
+          <a:lstStyle/>
+          <a:p>
+            <a:pPr algn="ctr"/>
+            <a:r>
+              <a:rPr lang="en-US" b="1" dirty="0">
+                <a:solidFill>
+                  <a:schemeClr val="tx1"/>
+                </a:solidFill>
+              </a:rPr>
+              <a:t>UIO</a:t>
+            </a:r>
+          </a:p>
+        </p:txBody>
+      </p:sp>
+      <p:sp>
+        <p:nvSpPr>
+          <p:cNvPr id="17" name="TextBox 16">
+            <a:extLst>
+              <a:ext uri="{FF2B5EF4-FFF2-40B4-BE49-F238E27FC236}">
+                <a16:creationId xmlns:a16="http://schemas.microsoft.com/office/drawing/2014/main" id="{375A3AF6-4356-F2C9-C7F2-CF0EE672E04C}"/>
+              </a:ext>
+            </a:extLst>
+          </p:cNvPr>
+          <p:cNvSpPr txBox="1"/>
+          <p:nvPr/>
+        </p:nvSpPr>
+        <p:spPr>
+          <a:xfrm>
+            <a:off x="4256589" y="1846874"/>
+            <a:ext cx="1100695" cy="369332"/>
+          </a:xfrm>
+          <a:prstGeom prst="rect">
+            <a:avLst/>
+          </a:prstGeom>
+          <a:noFill/>
+        </p:spPr>
+        <p:txBody>
+          <a:bodyPr wrap="square" rtlCol="0">
+            <a:spAutoFit/>
+          </a:bodyPr>
+          <a:lstStyle/>
+          <a:p>
+            <a:pPr algn="r"/>
+            <a:r>
+              <a:rPr lang="en-US" dirty="0" err="1">
+                <a:solidFill>
+                  <a:srgbClr val="FF0000"/>
+                </a:solidFill>
+              </a:rPr>
+              <a:t>addr</a:t>
+            </a:r>
+            <a:r>
+              <a:rPr lang="en-US" dirty="0">
+                <a:solidFill>
+                  <a:srgbClr val="FF0000"/>
+                </a:solidFill>
+              </a:rPr>
+              <a:t> bus</a:t>
+            </a:r>
+          </a:p>
+        </p:txBody>
+      </p:sp>
+    </p:spTree>
+    <p:extLst>
+      <p:ext uri="{BB962C8B-B14F-4D97-AF65-F5344CB8AC3E}">
+        <p14:creationId xmlns:p14="http://schemas.microsoft.com/office/powerpoint/2010/main" val="894704326"/>
+      </p:ext>
+    </p:extLst>
+  </p:cSld>
+  <p:clrMapOvr>
+    <a:masterClrMapping/>
+  </p:clrMapOvr>
+</p:sld>
+</file>
+
 <file path=ppt/theme/theme1.xml><?xml version="1.0" encoding="utf-8"?>
 <a:theme xmlns:a="http://schemas.openxmlformats.org/drawingml/2006/main" name="Office Theme">
   <a:themeElements>
